--- a/ppt/9-svm.pptx
+++ b/ppt/9-svm.pptx
@@ -250,7 +250,7 @@
           <a:p>
             <a:fld id="{99088BE3-65C5-2A47-8E5D-0959F8034D1C}" type="datetimeFigureOut">
               <a:rPr kumimoji="1" lang="zh-CN" altLang="en-US" smtClean="0"/>
-              <a:t>2020/12/6</a:t>
+              <a:t>2022/9/5</a:t>
             </a:fld>
             <a:endParaRPr kumimoji="1" lang="zh-CN" altLang="en-US"/>
           </a:p>
@@ -396,7 +396,7 @@
           <a:p>
             <a:fld id="{99088BE3-65C5-2A47-8E5D-0959F8034D1C}" type="datetimeFigureOut">
               <a:rPr kumimoji="1" lang="zh-CN" altLang="en-US" smtClean="0"/>
-              <a:t>2020/12/6</a:t>
+              <a:t>2022/9/5</a:t>
             </a:fld>
             <a:endParaRPr kumimoji="1" lang="zh-CN" altLang="en-US"/>
           </a:p>
@@ -552,7 +552,7 @@
           <a:p>
             <a:fld id="{99088BE3-65C5-2A47-8E5D-0959F8034D1C}" type="datetimeFigureOut">
               <a:rPr kumimoji="1" lang="zh-CN" altLang="en-US" smtClean="0"/>
-              <a:t>2020/12/6</a:t>
+              <a:t>2022/9/5</a:t>
             </a:fld>
             <a:endParaRPr kumimoji="1" lang="zh-CN" altLang="en-US"/>
           </a:p>
@@ -698,7 +698,7 @@
           <a:p>
             <a:fld id="{99088BE3-65C5-2A47-8E5D-0959F8034D1C}" type="datetimeFigureOut">
               <a:rPr kumimoji="1" lang="zh-CN" altLang="en-US" smtClean="0"/>
-              <a:t>2020/12/6</a:t>
+              <a:t>2022/9/5</a:t>
             </a:fld>
             <a:endParaRPr kumimoji="1" lang="zh-CN" altLang="en-US"/>
           </a:p>
@@ -947,7 +947,7 @@
           <a:p>
             <a:fld id="{99088BE3-65C5-2A47-8E5D-0959F8034D1C}" type="datetimeFigureOut">
               <a:rPr kumimoji="1" lang="zh-CN" altLang="en-US" smtClean="0"/>
-              <a:t>2020/12/6</a:t>
+              <a:t>2022/9/5</a:t>
             </a:fld>
             <a:endParaRPr kumimoji="1" lang="zh-CN" altLang="en-US"/>
           </a:p>
@@ -1131,7 +1131,7 @@
           <a:p>
             <a:fld id="{99088BE3-65C5-2A47-8E5D-0959F8034D1C}" type="datetimeFigureOut">
               <a:rPr kumimoji="1" lang="zh-CN" altLang="en-US" smtClean="0"/>
-              <a:t>2020/12/6</a:t>
+              <a:t>2022/9/5</a:t>
             </a:fld>
             <a:endParaRPr kumimoji="1" lang="zh-CN" altLang="en-US"/>
           </a:p>
@@ -1460,7 +1460,7 @@
           <a:p>
             <a:fld id="{99088BE3-65C5-2A47-8E5D-0959F8034D1C}" type="datetimeFigureOut">
               <a:rPr kumimoji="1" lang="zh-CN" altLang="en-US" smtClean="0"/>
-              <a:t>2020/12/6</a:t>
+              <a:t>2022/9/5</a:t>
             </a:fld>
             <a:endParaRPr kumimoji="1" lang="zh-CN" altLang="en-US"/>
           </a:p>
@@ -1578,7 +1578,7 @@
           <a:p>
             <a:fld id="{99088BE3-65C5-2A47-8E5D-0959F8034D1C}" type="datetimeFigureOut">
               <a:rPr kumimoji="1" lang="zh-CN" altLang="en-US" smtClean="0"/>
-              <a:t>2020/12/6</a:t>
+              <a:t>2022/9/5</a:t>
             </a:fld>
             <a:endParaRPr kumimoji="1" lang="zh-CN" altLang="en-US"/>
           </a:p>
@@ -1673,7 +1673,7 @@
           <a:p>
             <a:fld id="{99088BE3-65C5-2A47-8E5D-0959F8034D1C}" type="datetimeFigureOut">
               <a:rPr kumimoji="1" lang="zh-CN" altLang="en-US" smtClean="0"/>
-              <a:t>2020/12/6</a:t>
+              <a:t>2022/9/5</a:t>
             </a:fld>
             <a:endParaRPr kumimoji="1" lang="zh-CN" altLang="en-US"/>
           </a:p>
@@ -1931,7 +1931,7 @@
           <a:p>
             <a:fld id="{99088BE3-65C5-2A47-8E5D-0959F8034D1C}" type="datetimeFigureOut">
               <a:rPr kumimoji="1" lang="zh-CN" altLang="en-US" smtClean="0"/>
-              <a:t>2020/12/6</a:t>
+              <a:t>2022/9/5</a:t>
             </a:fld>
             <a:endParaRPr kumimoji="1" lang="zh-CN" altLang="en-US"/>
           </a:p>
@@ -2193,7 +2193,7 @@
           <a:p>
             <a:fld id="{99088BE3-65C5-2A47-8E5D-0959F8034D1C}" type="datetimeFigureOut">
               <a:rPr kumimoji="1" lang="zh-CN" altLang="en-US" smtClean="0"/>
-              <a:t>2020/12/6</a:t>
+              <a:t>2022/9/5</a:t>
             </a:fld>
             <a:endParaRPr kumimoji="1" lang="zh-CN" altLang="en-US"/>
           </a:p>
@@ -2382,7 +2382,7 @@
           <a:p>
             <a:fld id="{99088BE3-65C5-2A47-8E5D-0959F8034D1C}" type="datetimeFigureOut">
               <a:rPr kumimoji="1" lang="zh-CN" altLang="en-US" smtClean="0"/>
-              <a:t>2020/12/6</a:t>
+              <a:t>2022/9/5</a:t>
             </a:fld>
             <a:endParaRPr kumimoji="1" lang="zh-CN" altLang="en-US"/>
           </a:p>
